--- a/design.pptx
+++ b/design.pptx
@@ -294,7 +294,7 @@
           <a:p>
             <a:fld id="{254D2433-0FFC-4B9C-AF7F-4CE8DAB20E6A}" type="datetimeFigureOut">
               <a:rPr lang="ko-KR" altLang="en-US" smtClean="0"/>
-              <a:t>2016-07-21</a:t>
+              <a:t>2016-07-22</a:t>
             </a:fld>
             <a:endParaRPr lang="ko-KR" altLang="en-US"/>
           </a:p>
@@ -464,7 +464,7 @@
           <a:p>
             <a:fld id="{254D2433-0FFC-4B9C-AF7F-4CE8DAB20E6A}" type="datetimeFigureOut">
               <a:rPr lang="ko-KR" altLang="en-US" smtClean="0"/>
-              <a:t>2016-07-21</a:t>
+              <a:t>2016-07-22</a:t>
             </a:fld>
             <a:endParaRPr lang="ko-KR" altLang="en-US"/>
           </a:p>
@@ -644,7 +644,7 @@
           <a:p>
             <a:fld id="{254D2433-0FFC-4B9C-AF7F-4CE8DAB20E6A}" type="datetimeFigureOut">
               <a:rPr lang="ko-KR" altLang="en-US" smtClean="0"/>
-              <a:t>2016-07-21</a:t>
+              <a:t>2016-07-22</a:t>
             </a:fld>
             <a:endParaRPr lang="ko-KR" altLang="en-US"/>
           </a:p>
@@ -814,7 +814,7 @@
           <a:p>
             <a:fld id="{254D2433-0FFC-4B9C-AF7F-4CE8DAB20E6A}" type="datetimeFigureOut">
               <a:rPr lang="ko-KR" altLang="en-US" smtClean="0"/>
-              <a:t>2016-07-21</a:t>
+              <a:t>2016-07-22</a:t>
             </a:fld>
             <a:endParaRPr lang="ko-KR" altLang="en-US"/>
           </a:p>
@@ -1060,7 +1060,7 @@
           <a:p>
             <a:fld id="{254D2433-0FFC-4B9C-AF7F-4CE8DAB20E6A}" type="datetimeFigureOut">
               <a:rPr lang="ko-KR" altLang="en-US" smtClean="0"/>
-              <a:t>2016-07-21</a:t>
+              <a:t>2016-07-22</a:t>
             </a:fld>
             <a:endParaRPr lang="ko-KR" altLang="en-US"/>
           </a:p>
@@ -1348,7 +1348,7 @@
           <a:p>
             <a:fld id="{254D2433-0FFC-4B9C-AF7F-4CE8DAB20E6A}" type="datetimeFigureOut">
               <a:rPr lang="ko-KR" altLang="en-US" smtClean="0"/>
-              <a:t>2016-07-21</a:t>
+              <a:t>2016-07-22</a:t>
             </a:fld>
             <a:endParaRPr lang="ko-KR" altLang="en-US"/>
           </a:p>
@@ -1770,7 +1770,7 @@
           <a:p>
             <a:fld id="{254D2433-0FFC-4B9C-AF7F-4CE8DAB20E6A}" type="datetimeFigureOut">
               <a:rPr lang="ko-KR" altLang="en-US" smtClean="0"/>
-              <a:t>2016-07-21</a:t>
+              <a:t>2016-07-22</a:t>
             </a:fld>
             <a:endParaRPr lang="ko-KR" altLang="en-US"/>
           </a:p>
@@ -1888,7 +1888,7 @@
           <a:p>
             <a:fld id="{254D2433-0FFC-4B9C-AF7F-4CE8DAB20E6A}" type="datetimeFigureOut">
               <a:rPr lang="ko-KR" altLang="en-US" smtClean="0"/>
-              <a:t>2016-07-21</a:t>
+              <a:t>2016-07-22</a:t>
             </a:fld>
             <a:endParaRPr lang="ko-KR" altLang="en-US"/>
           </a:p>
@@ -1983,7 +1983,7 @@
           <a:p>
             <a:fld id="{254D2433-0FFC-4B9C-AF7F-4CE8DAB20E6A}" type="datetimeFigureOut">
               <a:rPr lang="ko-KR" altLang="en-US" smtClean="0"/>
-              <a:t>2016-07-21</a:t>
+              <a:t>2016-07-22</a:t>
             </a:fld>
             <a:endParaRPr lang="ko-KR" altLang="en-US"/>
           </a:p>
@@ -2260,7 +2260,7 @@
           <a:p>
             <a:fld id="{254D2433-0FFC-4B9C-AF7F-4CE8DAB20E6A}" type="datetimeFigureOut">
               <a:rPr lang="ko-KR" altLang="en-US" smtClean="0"/>
-              <a:t>2016-07-21</a:t>
+              <a:t>2016-07-22</a:t>
             </a:fld>
             <a:endParaRPr lang="ko-KR" altLang="en-US"/>
           </a:p>
@@ -2513,7 +2513,7 @@
           <a:p>
             <a:fld id="{254D2433-0FFC-4B9C-AF7F-4CE8DAB20E6A}" type="datetimeFigureOut">
               <a:rPr lang="ko-KR" altLang="en-US" smtClean="0"/>
-              <a:t>2016-07-21</a:t>
+              <a:t>2016-07-22</a:t>
             </a:fld>
             <a:endParaRPr lang="ko-KR" altLang="en-US"/>
           </a:p>
@@ -2726,7 +2726,7 @@
           <a:p>
             <a:fld id="{254D2433-0FFC-4B9C-AF7F-4CE8DAB20E6A}" type="datetimeFigureOut">
               <a:rPr lang="ko-KR" altLang="en-US" smtClean="0"/>
-              <a:t>2016-07-21</a:t>
+              <a:t>2016-07-22</a:t>
             </a:fld>
             <a:endParaRPr lang="ko-KR" altLang="en-US"/>
           </a:p>
@@ -3579,94 +3579,6 @@
       </p:sp>
       <p:pic>
         <p:nvPicPr>
-          <p:cNvPr id="10" name="그림 9"/>
-          <p:cNvPicPr>
-            <a:picLocks noChangeAspect="1"/>
-          </p:cNvPicPr>
-          <p:nvPr/>
-        </p:nvPicPr>
-        <p:blipFill>
-          <a:blip r:embed="rId2" cstate="print">
-            <a:extLst>
-              <a:ext uri="{28A0092B-C50C-407E-A947-70E740481C1C}">
-                <a14:useLocalDpi xmlns:a14="http://schemas.microsoft.com/office/drawing/2010/main" val="0"/>
-              </a:ext>
-            </a:extLst>
-          </a:blip>
-          <a:stretch>
-            <a:fillRect/>
-          </a:stretch>
-        </p:blipFill>
-        <p:spPr>
-          <a:xfrm>
-            <a:off x="2927539" y="1484784"/>
-            <a:ext cx="1224136" cy="1224136"/>
-          </a:xfrm>
-          <a:prstGeom prst="rect">
-            <a:avLst/>
-          </a:prstGeom>
-        </p:spPr>
-      </p:pic>
-      <p:pic>
-        <p:nvPicPr>
-          <p:cNvPr id="15" name="그림 14"/>
-          <p:cNvPicPr>
-            <a:picLocks noChangeAspect="1"/>
-          </p:cNvPicPr>
-          <p:nvPr/>
-        </p:nvPicPr>
-        <p:blipFill rotWithShape="1">
-          <a:blip r:embed="rId3" cstate="print">
-            <a:extLst>
-              <a:ext uri="{28A0092B-C50C-407E-A947-70E740481C1C}">
-                <a14:useLocalDpi xmlns:a14="http://schemas.microsoft.com/office/drawing/2010/main" val="0"/>
-              </a:ext>
-            </a:extLst>
-          </a:blip>
-          <a:srcRect b="12821"/>
-          <a:stretch/>
-        </p:blipFill>
-        <p:spPr>
-          <a:xfrm>
-            <a:off x="5015771" y="1473061"/>
-            <a:ext cx="1404000" cy="1224000"/>
-          </a:xfrm>
-          <a:prstGeom prst="rect">
-            <a:avLst/>
-          </a:prstGeom>
-        </p:spPr>
-      </p:pic>
-      <p:pic>
-        <p:nvPicPr>
-          <p:cNvPr id="16" name="그림 15"/>
-          <p:cNvPicPr>
-            <a:picLocks noChangeAspect="1"/>
-          </p:cNvPicPr>
-          <p:nvPr/>
-        </p:nvPicPr>
-        <p:blipFill rotWithShape="1">
-          <a:blip r:embed="rId4" cstate="print">
-            <a:extLst>
-              <a:ext uri="{28A0092B-C50C-407E-A947-70E740481C1C}">
-                <a14:useLocalDpi xmlns:a14="http://schemas.microsoft.com/office/drawing/2010/main" val="0"/>
-              </a:ext>
-            </a:extLst>
-          </a:blip>
-          <a:srcRect b="14872"/>
-          <a:stretch/>
-        </p:blipFill>
-        <p:spPr>
-          <a:xfrm>
-            <a:off x="2846137" y="3645160"/>
-            <a:ext cx="1437831" cy="1224000"/>
-          </a:xfrm>
-          <a:prstGeom prst="rect">
-            <a:avLst/>
-          </a:prstGeom>
-        </p:spPr>
-      </p:pic>
-      <p:pic>
-        <p:nvPicPr>
           <p:cNvPr id="17" name="그림 16"/>
           <p:cNvPicPr>
             <a:picLocks noChangeAspect="1"/>
@@ -3674,7 +3586,7 @@
           <p:nvPr/>
         </p:nvPicPr>
         <p:blipFill rotWithShape="1">
-          <a:blip r:embed="rId5" cstate="print">
+          <a:blip r:embed="rId2" cstate="print">
             <a:extLst>
               <a:ext uri="{28A0092B-C50C-407E-A947-70E740481C1C}">
                 <a14:useLocalDpi xmlns:a14="http://schemas.microsoft.com/office/drawing/2010/main" val="0"/>
@@ -3686,210 +3598,14 @@
         </p:blipFill>
         <p:spPr>
           <a:xfrm>
-            <a:off x="5004048" y="3645160"/>
-            <a:ext cx="1449474" cy="1224000"/>
+            <a:off x="2304543" y="2232538"/>
+            <a:ext cx="1084191" cy="915539"/>
           </a:xfrm>
           <a:prstGeom prst="rect">
             <a:avLst/>
           </a:prstGeom>
         </p:spPr>
       </p:pic>
-      <p:cxnSp>
-        <p:nvCxnSpPr>
-          <p:cNvPr id="20" name="직선 연결선 19"/>
-          <p:cNvCxnSpPr/>
-          <p:nvPr/>
-        </p:nvCxnSpPr>
-        <p:spPr>
-          <a:xfrm>
-            <a:off x="1763688" y="3284984"/>
-            <a:ext cx="5688632" cy="0"/>
-          </a:xfrm>
-          <a:prstGeom prst="line">
-            <a:avLst/>
-          </a:prstGeom>
-        </p:spPr>
-        <p:style>
-          <a:lnRef idx="1">
-            <a:schemeClr val="accent1"/>
-          </a:lnRef>
-          <a:fillRef idx="0">
-            <a:schemeClr val="accent1"/>
-          </a:fillRef>
-          <a:effectRef idx="0">
-            <a:schemeClr val="accent1"/>
-          </a:effectRef>
-          <a:fontRef idx="minor">
-            <a:schemeClr val="tx1"/>
-          </a:fontRef>
-        </p:style>
-      </p:cxnSp>
-      <p:cxnSp>
-        <p:nvCxnSpPr>
-          <p:cNvPr id="22" name="직선 연결선 21"/>
-          <p:cNvCxnSpPr/>
-          <p:nvPr/>
-        </p:nvCxnSpPr>
-        <p:spPr>
-          <a:xfrm>
-            <a:off x="4572000" y="836712"/>
-            <a:ext cx="0" cy="4917599"/>
-          </a:xfrm>
-          <a:prstGeom prst="line">
-            <a:avLst/>
-          </a:prstGeom>
-        </p:spPr>
-        <p:style>
-          <a:lnRef idx="1">
-            <a:schemeClr val="accent1"/>
-          </a:lnRef>
-          <a:fillRef idx="0">
-            <a:schemeClr val="accent1"/>
-          </a:fillRef>
-          <a:effectRef idx="0">
-            <a:schemeClr val="accent1"/>
-          </a:effectRef>
-          <a:fontRef idx="minor">
-            <a:schemeClr val="tx1"/>
-          </a:fontRef>
-        </p:style>
-      </p:cxnSp>
-      <p:sp>
-        <p:nvSpPr>
-          <p:cNvPr id="23" name="TextBox 22"/>
-          <p:cNvSpPr txBox="1"/>
-          <p:nvPr/>
-        </p:nvSpPr>
-        <p:spPr>
-          <a:xfrm>
-            <a:off x="3194113" y="2761183"/>
-            <a:ext cx="801823" cy="307777"/>
-          </a:xfrm>
-          <a:prstGeom prst="rect">
-            <a:avLst/>
-          </a:prstGeom>
-          <a:noFill/>
-        </p:spPr>
-        <p:txBody>
-          <a:bodyPr wrap="none" rtlCol="0">
-            <a:spAutoFit/>
-          </a:bodyPr>
-          <a:lstStyle/>
-          <a:p>
-            <a:r>
-              <a:rPr lang="en-US" altLang="ko-KR" sz="1400" dirty="0" smtClean="0"/>
-              <a:t>3,000</a:t>
-            </a:r>
-            <a:r>
-              <a:rPr lang="ko-KR" altLang="en-US" sz="1400" dirty="0" smtClean="0"/>
-              <a:t>원</a:t>
-            </a:r>
-            <a:endParaRPr lang="ko-KR" altLang="en-US" sz="1400" dirty="0"/>
-          </a:p>
-        </p:txBody>
-      </p:sp>
-      <p:sp>
-        <p:nvSpPr>
-          <p:cNvPr id="24" name="TextBox 23"/>
-          <p:cNvSpPr txBox="1"/>
-          <p:nvPr/>
-        </p:nvSpPr>
-        <p:spPr>
-          <a:xfrm>
-            <a:off x="5354353" y="2780928"/>
-            <a:ext cx="801823" cy="307777"/>
-          </a:xfrm>
-          <a:prstGeom prst="rect">
-            <a:avLst/>
-          </a:prstGeom>
-          <a:noFill/>
-        </p:spPr>
-        <p:txBody>
-          <a:bodyPr wrap="none" rtlCol="0">
-            <a:spAutoFit/>
-          </a:bodyPr>
-          <a:lstStyle/>
-          <a:p>
-            <a:r>
-              <a:rPr lang="en-US" altLang="ko-KR" sz="1400" dirty="0" smtClean="0"/>
-              <a:t>3,000</a:t>
-            </a:r>
-            <a:r>
-              <a:rPr lang="ko-KR" altLang="en-US" sz="1400" dirty="0" smtClean="0"/>
-              <a:t>원</a:t>
-            </a:r>
-            <a:endParaRPr lang="ko-KR" altLang="en-US" sz="1400" dirty="0"/>
-          </a:p>
-        </p:txBody>
-      </p:sp>
-      <p:sp>
-        <p:nvSpPr>
-          <p:cNvPr id="25" name="TextBox 24"/>
-          <p:cNvSpPr txBox="1"/>
-          <p:nvPr/>
-        </p:nvSpPr>
-        <p:spPr>
-          <a:xfrm>
-            <a:off x="5292080" y="5013176"/>
-            <a:ext cx="801823" cy="307777"/>
-          </a:xfrm>
-          <a:prstGeom prst="rect">
-            <a:avLst/>
-          </a:prstGeom>
-          <a:noFill/>
-        </p:spPr>
-        <p:txBody>
-          <a:bodyPr wrap="none" rtlCol="0">
-            <a:spAutoFit/>
-          </a:bodyPr>
-          <a:lstStyle/>
-          <a:p>
-            <a:r>
-              <a:rPr lang="en-US" altLang="ko-KR" sz="1400" dirty="0" smtClean="0"/>
-              <a:t>3,000</a:t>
-            </a:r>
-            <a:r>
-              <a:rPr lang="ko-KR" altLang="en-US" sz="1400" dirty="0" smtClean="0"/>
-              <a:t>원</a:t>
-            </a:r>
-            <a:endParaRPr lang="ko-KR" altLang="en-US" sz="1400" dirty="0"/>
-          </a:p>
-        </p:txBody>
-      </p:sp>
-      <p:sp>
-        <p:nvSpPr>
-          <p:cNvPr id="26" name="TextBox 25"/>
-          <p:cNvSpPr txBox="1"/>
-          <p:nvPr/>
-        </p:nvSpPr>
-        <p:spPr>
-          <a:xfrm>
-            <a:off x="3122105" y="5013176"/>
-            <a:ext cx="801823" cy="307777"/>
-          </a:xfrm>
-          <a:prstGeom prst="rect">
-            <a:avLst/>
-          </a:prstGeom>
-          <a:noFill/>
-        </p:spPr>
-        <p:txBody>
-          <a:bodyPr wrap="none" rtlCol="0">
-            <a:spAutoFit/>
-          </a:bodyPr>
-          <a:lstStyle/>
-          <a:p>
-            <a:r>
-              <a:rPr lang="en-US" altLang="ko-KR" sz="1400" dirty="0" smtClean="0"/>
-              <a:t>3,000</a:t>
-            </a:r>
-            <a:r>
-              <a:rPr lang="ko-KR" altLang="en-US" sz="1400" dirty="0" smtClean="0"/>
-              <a:t>원</a:t>
-            </a:r>
-            <a:endParaRPr lang="ko-KR" altLang="en-US" sz="1400" dirty="0"/>
-          </a:p>
-        </p:txBody>
-      </p:sp>
       <p:sp>
         <p:nvSpPr>
           <p:cNvPr id="33" name="모서리가 둥근 직사각형 32"/>
@@ -3949,6 +3665,459 @@
                 <a:schemeClr val="tx1"/>
               </a:solidFill>
             </a:endParaRPr>
+          </a:p>
+        </p:txBody>
+      </p:sp>
+      <p:grpSp>
+        <p:nvGrpSpPr>
+          <p:cNvPr id="4" name="그룹 3"/>
+          <p:cNvGrpSpPr/>
+          <p:nvPr/>
+        </p:nvGrpSpPr>
+        <p:grpSpPr>
+          <a:xfrm>
+            <a:off x="2415084" y="969393"/>
+            <a:ext cx="862865" cy="1092185"/>
+            <a:chOff x="2927539" y="1484784"/>
+            <a:chExt cx="1225212" cy="1550832"/>
+          </a:xfrm>
+        </p:grpSpPr>
+        <p:pic>
+          <p:nvPicPr>
+            <p:cNvPr id="10" name="그림 9"/>
+            <p:cNvPicPr>
+              <a:picLocks noChangeAspect="1"/>
+            </p:cNvPicPr>
+            <p:nvPr/>
+          </p:nvPicPr>
+          <p:blipFill>
+            <a:blip r:embed="rId3" cstate="print">
+              <a:extLst>
+                <a:ext uri="{28A0092B-C50C-407E-A947-70E740481C1C}">
+                  <a14:useLocalDpi xmlns:a14="http://schemas.microsoft.com/office/drawing/2010/main" val="0"/>
+                </a:ext>
+              </a:extLst>
+            </a:blip>
+            <a:stretch>
+              <a:fillRect/>
+            </a:stretch>
+          </p:blipFill>
+          <p:spPr>
+            <a:xfrm>
+              <a:off x="2927539" y="1484784"/>
+              <a:ext cx="1224136" cy="1224136"/>
+            </a:xfrm>
+            <a:prstGeom prst="rect">
+              <a:avLst/>
+            </a:prstGeom>
+          </p:spPr>
+        </p:pic>
+        <p:sp>
+          <p:nvSpPr>
+            <p:cNvPr id="23" name="TextBox 22"/>
+            <p:cNvSpPr txBox="1"/>
+            <p:nvPr/>
+          </p:nvSpPr>
+          <p:spPr>
+            <a:xfrm>
+              <a:off x="2938970" y="2727839"/>
+              <a:ext cx="801823" cy="307777"/>
+            </a:xfrm>
+            <a:prstGeom prst="rect">
+              <a:avLst/>
+            </a:prstGeom>
+            <a:noFill/>
+          </p:spPr>
+          <p:txBody>
+            <a:bodyPr wrap="none" rtlCol="0">
+              <a:spAutoFit/>
+            </a:bodyPr>
+            <a:lstStyle/>
+            <a:p>
+              <a:r>
+                <a:rPr lang="en-US" altLang="ko-KR" sz="1400" dirty="0" smtClean="0"/>
+                <a:t>3,000</a:t>
+              </a:r>
+              <a:r>
+                <a:rPr lang="ko-KR" altLang="en-US" sz="1400" dirty="0" smtClean="0"/>
+                <a:t>원</a:t>
+              </a:r>
+              <a:endParaRPr lang="ko-KR" altLang="en-US" sz="1400" dirty="0"/>
+            </a:p>
+          </p:txBody>
+        </p:sp>
+        <p:sp>
+          <p:nvSpPr>
+            <p:cNvPr id="3" name="직사각형 2"/>
+            <p:cNvSpPr/>
+            <p:nvPr/>
+          </p:nvSpPr>
+          <p:spPr>
+            <a:xfrm>
+              <a:off x="3972752" y="2833597"/>
+              <a:ext cx="179999" cy="179999"/>
+            </a:xfrm>
+            <a:prstGeom prst="rect">
+              <a:avLst/>
+            </a:prstGeom>
+            <a:noFill/>
+            <a:ln w="12700">
+              <a:solidFill>
+                <a:schemeClr val="tx1"/>
+              </a:solidFill>
+            </a:ln>
+          </p:spPr>
+          <p:style>
+            <a:lnRef idx="2">
+              <a:schemeClr val="accent1">
+                <a:shade val="50000"/>
+              </a:schemeClr>
+            </a:lnRef>
+            <a:fillRef idx="1">
+              <a:schemeClr val="accent1"/>
+            </a:fillRef>
+            <a:effectRef idx="0">
+              <a:schemeClr val="accent1"/>
+            </a:effectRef>
+            <a:fontRef idx="minor">
+              <a:schemeClr val="lt1"/>
+            </a:fontRef>
+          </p:style>
+          <p:txBody>
+            <a:bodyPr rtlCol="0" anchor="ctr"/>
+            <a:lstStyle/>
+            <a:p>
+              <a:pPr algn="ctr"/>
+              <a:endParaRPr lang="ko-KR" altLang="en-US"/>
+            </a:p>
+          </p:txBody>
+        </p:sp>
+      </p:grpSp>
+      <p:grpSp>
+        <p:nvGrpSpPr>
+          <p:cNvPr id="5" name="그룹 4"/>
+          <p:cNvGrpSpPr/>
+          <p:nvPr/>
+        </p:nvGrpSpPr>
+        <p:grpSpPr>
+          <a:xfrm>
+            <a:off x="3992844" y="1068287"/>
+            <a:ext cx="957561" cy="996390"/>
+            <a:chOff x="5015771" y="1473061"/>
+            <a:chExt cx="1404000" cy="1563126"/>
+          </a:xfrm>
+        </p:grpSpPr>
+        <p:pic>
+          <p:nvPicPr>
+            <p:cNvPr id="15" name="그림 14"/>
+            <p:cNvPicPr>
+              <a:picLocks noChangeAspect="1"/>
+            </p:cNvPicPr>
+            <p:nvPr/>
+          </p:nvPicPr>
+          <p:blipFill rotWithShape="1">
+            <a:blip r:embed="rId4" cstate="print">
+              <a:extLst>
+                <a:ext uri="{28A0092B-C50C-407E-A947-70E740481C1C}">
+                  <a14:useLocalDpi xmlns:a14="http://schemas.microsoft.com/office/drawing/2010/main" val="0"/>
+                </a:ext>
+              </a:extLst>
+            </a:blip>
+            <a:srcRect b="12821"/>
+            <a:stretch/>
+          </p:blipFill>
+          <p:spPr>
+            <a:xfrm>
+              <a:off x="5015771" y="1473061"/>
+              <a:ext cx="1404000" cy="1224000"/>
+            </a:xfrm>
+            <a:prstGeom prst="rect">
+              <a:avLst/>
+            </a:prstGeom>
+          </p:spPr>
+        </p:pic>
+        <p:sp>
+          <p:nvSpPr>
+            <p:cNvPr id="18" name="TextBox 17"/>
+            <p:cNvSpPr txBox="1"/>
+            <p:nvPr/>
+          </p:nvSpPr>
+          <p:spPr>
+            <a:xfrm>
+              <a:off x="5098927" y="2728408"/>
+              <a:ext cx="801823" cy="307777"/>
+            </a:xfrm>
+            <a:prstGeom prst="rect">
+              <a:avLst/>
+            </a:prstGeom>
+            <a:noFill/>
+          </p:spPr>
+          <p:txBody>
+            <a:bodyPr wrap="none" rtlCol="0">
+              <a:spAutoFit/>
+            </a:bodyPr>
+            <a:lstStyle/>
+            <a:p>
+              <a:r>
+                <a:rPr lang="en-US" altLang="ko-KR" sz="1400" dirty="0" smtClean="0"/>
+                <a:t>3,000</a:t>
+              </a:r>
+              <a:r>
+                <a:rPr lang="ko-KR" altLang="en-US" sz="1400" dirty="0" smtClean="0"/>
+                <a:t>원</a:t>
+              </a:r>
+              <a:endParaRPr lang="ko-KR" altLang="en-US" sz="1400" dirty="0"/>
+            </a:p>
+          </p:txBody>
+        </p:sp>
+        <p:sp>
+          <p:nvSpPr>
+            <p:cNvPr id="19" name="직사각형 18"/>
+            <p:cNvSpPr/>
+            <p:nvPr/>
+          </p:nvSpPr>
+          <p:spPr>
+            <a:xfrm>
+              <a:off x="6134193" y="2862265"/>
+              <a:ext cx="180000" cy="173922"/>
+            </a:xfrm>
+            <a:prstGeom prst="rect">
+              <a:avLst/>
+            </a:prstGeom>
+            <a:noFill/>
+            <a:ln w="12700">
+              <a:solidFill>
+                <a:schemeClr val="tx1"/>
+              </a:solidFill>
+            </a:ln>
+          </p:spPr>
+          <p:style>
+            <a:lnRef idx="2">
+              <a:schemeClr val="accent1">
+                <a:shade val="50000"/>
+              </a:schemeClr>
+            </a:lnRef>
+            <a:fillRef idx="1">
+              <a:schemeClr val="accent1"/>
+            </a:fillRef>
+            <a:effectRef idx="0">
+              <a:schemeClr val="accent1"/>
+            </a:effectRef>
+            <a:fontRef idx="minor">
+              <a:schemeClr val="lt1"/>
+            </a:fontRef>
+          </p:style>
+          <p:txBody>
+            <a:bodyPr rtlCol="0" anchor="ctr"/>
+            <a:lstStyle/>
+            <a:p>
+              <a:pPr algn="ctr"/>
+              <a:endParaRPr lang="ko-KR" altLang="en-US"/>
+            </a:p>
+          </p:txBody>
+        </p:sp>
+      </p:grpSp>
+      <p:grpSp>
+        <p:nvGrpSpPr>
+          <p:cNvPr id="6" name="그룹 5"/>
+          <p:cNvGrpSpPr/>
+          <p:nvPr/>
+        </p:nvGrpSpPr>
+        <p:grpSpPr>
+          <a:xfrm>
+            <a:off x="5437131" y="1068287"/>
+            <a:ext cx="1071522" cy="1007975"/>
+            <a:chOff x="2846137" y="3645160"/>
+            <a:chExt cx="1437831" cy="1512783"/>
+          </a:xfrm>
+        </p:grpSpPr>
+        <p:pic>
+          <p:nvPicPr>
+            <p:cNvPr id="16" name="그림 15"/>
+            <p:cNvPicPr>
+              <a:picLocks noChangeAspect="1"/>
+            </p:cNvPicPr>
+            <p:nvPr/>
+          </p:nvPicPr>
+          <p:blipFill rotWithShape="1">
+            <a:blip r:embed="rId5" cstate="print">
+              <a:extLst>
+                <a:ext uri="{28A0092B-C50C-407E-A947-70E740481C1C}">
+                  <a14:useLocalDpi xmlns:a14="http://schemas.microsoft.com/office/drawing/2010/main" val="0"/>
+                </a:ext>
+              </a:extLst>
+            </a:blip>
+            <a:srcRect b="14872"/>
+            <a:stretch/>
+          </p:blipFill>
+          <p:spPr>
+            <a:xfrm>
+              <a:off x="2846137" y="3645160"/>
+              <a:ext cx="1437831" cy="1224000"/>
+            </a:xfrm>
+            <a:prstGeom prst="rect">
+              <a:avLst/>
+            </a:prstGeom>
+          </p:spPr>
+        </p:pic>
+        <p:sp>
+          <p:nvSpPr>
+            <p:cNvPr id="21" name="TextBox 20"/>
+            <p:cNvSpPr txBox="1"/>
+            <p:nvPr/>
+          </p:nvSpPr>
+          <p:spPr>
+            <a:xfrm>
+              <a:off x="2939635" y="4833727"/>
+              <a:ext cx="801824" cy="307776"/>
+            </a:xfrm>
+            <a:prstGeom prst="rect">
+              <a:avLst/>
+            </a:prstGeom>
+            <a:noFill/>
+          </p:spPr>
+          <p:txBody>
+            <a:bodyPr wrap="none" rtlCol="0">
+              <a:spAutoFit/>
+            </a:bodyPr>
+            <a:lstStyle/>
+            <a:p>
+              <a:r>
+                <a:rPr lang="en-US" altLang="ko-KR" sz="1400" dirty="0" smtClean="0"/>
+                <a:t>3,000</a:t>
+              </a:r>
+              <a:r>
+                <a:rPr lang="ko-KR" altLang="en-US" sz="1400" dirty="0" smtClean="0"/>
+                <a:t>원</a:t>
+              </a:r>
+              <a:endParaRPr lang="ko-KR" altLang="en-US" sz="1400" dirty="0"/>
+            </a:p>
+          </p:txBody>
+        </p:sp>
+        <p:sp>
+          <p:nvSpPr>
+            <p:cNvPr id="27" name="직사각형 26"/>
+            <p:cNvSpPr/>
+            <p:nvPr/>
+          </p:nvSpPr>
+          <p:spPr>
+            <a:xfrm>
+              <a:off x="3919130" y="4977943"/>
+              <a:ext cx="180000" cy="180000"/>
+            </a:xfrm>
+            <a:prstGeom prst="rect">
+              <a:avLst/>
+            </a:prstGeom>
+            <a:noFill/>
+            <a:ln w="12700">
+              <a:solidFill>
+                <a:schemeClr val="tx1"/>
+              </a:solidFill>
+            </a:ln>
+          </p:spPr>
+          <p:style>
+            <a:lnRef idx="2">
+              <a:schemeClr val="accent1">
+                <a:shade val="50000"/>
+              </a:schemeClr>
+            </a:lnRef>
+            <a:fillRef idx="1">
+              <a:schemeClr val="accent1"/>
+            </a:fillRef>
+            <a:effectRef idx="0">
+              <a:schemeClr val="accent1"/>
+            </a:effectRef>
+            <a:fontRef idx="minor">
+              <a:schemeClr val="lt1"/>
+            </a:fontRef>
+          </p:style>
+          <p:txBody>
+            <a:bodyPr rtlCol="0" anchor="ctr"/>
+            <a:lstStyle/>
+            <a:p>
+              <a:pPr algn="ctr"/>
+              <a:endParaRPr lang="ko-KR" altLang="en-US"/>
+            </a:p>
+          </p:txBody>
+        </p:sp>
+      </p:grpSp>
+      <p:sp>
+        <p:nvSpPr>
+          <p:cNvPr id="28" name="TextBox 27"/>
+          <p:cNvSpPr txBox="1"/>
+          <p:nvPr/>
+        </p:nvSpPr>
+        <p:spPr>
+          <a:xfrm>
+            <a:off x="2445726" y="3312658"/>
+            <a:ext cx="801823" cy="307777"/>
+          </a:xfrm>
+          <a:prstGeom prst="rect">
+            <a:avLst/>
+          </a:prstGeom>
+          <a:noFill/>
+        </p:spPr>
+        <p:txBody>
+          <a:bodyPr wrap="none" rtlCol="0">
+            <a:spAutoFit/>
+          </a:bodyPr>
+          <a:lstStyle/>
+          <a:p>
+            <a:r>
+              <a:rPr lang="en-US" altLang="ko-KR" sz="1400" dirty="0" smtClean="0"/>
+              <a:t>3,000</a:t>
+            </a:r>
+            <a:r>
+              <a:rPr lang="ko-KR" altLang="en-US" sz="1400" dirty="0" smtClean="0"/>
+              <a:t>원</a:t>
+            </a:r>
+            <a:endParaRPr lang="ko-KR" altLang="en-US" sz="1400" dirty="0"/>
+          </a:p>
+        </p:txBody>
+      </p:sp>
+      <p:sp>
+        <p:nvSpPr>
+          <p:cNvPr id="29" name="직사각형 28"/>
+          <p:cNvSpPr/>
+          <p:nvPr/>
+        </p:nvSpPr>
+        <p:spPr>
+          <a:xfrm>
+            <a:off x="3149632" y="3358074"/>
+            <a:ext cx="180000" cy="180000"/>
+          </a:xfrm>
+          <a:prstGeom prst="rect">
+            <a:avLst/>
+          </a:prstGeom>
+          <a:noFill/>
+          <a:ln w="12700">
+            <a:solidFill>
+              <a:schemeClr val="tx1"/>
+            </a:solidFill>
+          </a:ln>
+        </p:spPr>
+        <p:style>
+          <a:lnRef idx="2">
+            <a:schemeClr val="accent1">
+              <a:shade val="50000"/>
+            </a:schemeClr>
+          </a:lnRef>
+          <a:fillRef idx="1">
+            <a:schemeClr val="accent1"/>
+          </a:fillRef>
+          <a:effectRef idx="0">
+            <a:schemeClr val="accent1"/>
+          </a:effectRef>
+          <a:fontRef idx="minor">
+            <a:schemeClr val="lt1"/>
+          </a:fontRef>
+        </p:style>
+        <p:txBody>
+          <a:bodyPr rtlCol="0" anchor="ctr"/>
+          <a:lstStyle/>
+          <a:p>
+            <a:pPr algn="ctr"/>
+            <a:endParaRPr lang="ko-KR" altLang="en-US"/>
           </a:p>
         </p:txBody>
       </p:sp>
